--- a/paper-supplement/figs/supplemental-figure-2.pptx
+++ b/paper-supplement/figs/supplemental-figure-2.pptx
@@ -259,7 +259,7 @@
           <a:p>
             <a:fld id="{1DD66DEE-0C2C-2245-A56D-2A04CC55D3E3}" type="datetimeFigureOut">
               <a:rPr lang="en-US" smtClean="0"/>
-              <a:t>6/1/23</a:t>
+              <a:t>7/20/23</a:t>
             </a:fld>
             <a:endParaRPr lang="en-US"/>
           </a:p>
@@ -457,7 +457,7 @@
           <a:p>
             <a:fld id="{1DD66DEE-0C2C-2245-A56D-2A04CC55D3E3}" type="datetimeFigureOut">
               <a:rPr lang="en-US" smtClean="0"/>
-              <a:t>6/1/23</a:t>
+              <a:t>7/20/23</a:t>
             </a:fld>
             <a:endParaRPr lang="en-US"/>
           </a:p>
@@ -665,7 +665,7 @@
           <a:p>
             <a:fld id="{1DD66DEE-0C2C-2245-A56D-2A04CC55D3E3}" type="datetimeFigureOut">
               <a:rPr lang="en-US" smtClean="0"/>
-              <a:t>6/1/23</a:t>
+              <a:t>7/20/23</a:t>
             </a:fld>
             <a:endParaRPr lang="en-US"/>
           </a:p>
@@ -863,7 +863,7 @@
           <a:p>
             <a:fld id="{1DD66DEE-0C2C-2245-A56D-2A04CC55D3E3}" type="datetimeFigureOut">
               <a:rPr lang="en-US" smtClean="0"/>
-              <a:t>6/1/23</a:t>
+              <a:t>7/20/23</a:t>
             </a:fld>
             <a:endParaRPr lang="en-US"/>
           </a:p>
@@ -1138,7 +1138,7 @@
           <a:p>
             <a:fld id="{1DD66DEE-0C2C-2245-A56D-2A04CC55D3E3}" type="datetimeFigureOut">
               <a:rPr lang="en-US" smtClean="0"/>
-              <a:t>6/1/23</a:t>
+              <a:t>7/20/23</a:t>
             </a:fld>
             <a:endParaRPr lang="en-US"/>
           </a:p>
@@ -1403,7 +1403,7 @@
           <a:p>
             <a:fld id="{1DD66DEE-0C2C-2245-A56D-2A04CC55D3E3}" type="datetimeFigureOut">
               <a:rPr lang="en-US" smtClean="0"/>
-              <a:t>6/1/23</a:t>
+              <a:t>7/20/23</a:t>
             </a:fld>
             <a:endParaRPr lang="en-US"/>
           </a:p>
@@ -1815,7 +1815,7 @@
           <a:p>
             <a:fld id="{1DD66DEE-0C2C-2245-A56D-2A04CC55D3E3}" type="datetimeFigureOut">
               <a:rPr lang="en-US" smtClean="0"/>
-              <a:t>6/1/23</a:t>
+              <a:t>7/20/23</a:t>
             </a:fld>
             <a:endParaRPr lang="en-US"/>
           </a:p>
@@ -1956,7 +1956,7 @@
           <a:p>
             <a:fld id="{1DD66DEE-0C2C-2245-A56D-2A04CC55D3E3}" type="datetimeFigureOut">
               <a:rPr lang="en-US" smtClean="0"/>
-              <a:t>6/1/23</a:t>
+              <a:t>7/20/23</a:t>
             </a:fld>
             <a:endParaRPr lang="en-US"/>
           </a:p>
@@ -2069,7 +2069,7 @@
           <a:p>
             <a:fld id="{1DD66DEE-0C2C-2245-A56D-2A04CC55D3E3}" type="datetimeFigureOut">
               <a:rPr lang="en-US" smtClean="0"/>
-              <a:t>6/1/23</a:t>
+              <a:t>7/20/23</a:t>
             </a:fld>
             <a:endParaRPr lang="en-US"/>
           </a:p>
@@ -2380,7 +2380,7 @@
           <a:p>
             <a:fld id="{1DD66DEE-0C2C-2245-A56D-2A04CC55D3E3}" type="datetimeFigureOut">
               <a:rPr lang="en-US" smtClean="0"/>
-              <a:t>6/1/23</a:t>
+              <a:t>7/20/23</a:t>
             </a:fld>
             <a:endParaRPr lang="en-US"/>
           </a:p>
@@ -2668,7 +2668,7 @@
           <a:p>
             <a:fld id="{1DD66DEE-0C2C-2245-A56D-2A04CC55D3E3}" type="datetimeFigureOut">
               <a:rPr lang="en-US" smtClean="0"/>
-              <a:t>6/1/23</a:t>
+              <a:t>7/20/23</a:t>
             </a:fld>
             <a:endParaRPr lang="en-US"/>
           </a:p>
@@ -2909,7 +2909,7 @@
           <a:p>
             <a:fld id="{1DD66DEE-0C2C-2245-A56D-2A04CC55D3E3}" type="datetimeFigureOut">
               <a:rPr lang="en-US" smtClean="0"/>
-              <a:t>6/1/23</a:t>
+              <a:t>7/20/23</a:t>
             </a:fld>
             <a:endParaRPr lang="en-US"/>
           </a:p>
@@ -3328,10 +3328,10 @@
       </p:grpSpPr>
       <p:grpSp>
         <p:nvGrpSpPr>
-          <p:cNvPr id="8" name="Group 7">
-            <a:extLst>
-              <a:ext uri="{FF2B5EF4-FFF2-40B4-BE49-F238E27FC236}">
-                <a16:creationId xmlns:a16="http://schemas.microsoft.com/office/drawing/2014/main" id="{97DC8475-49F5-B538-DF2B-1A9CAC90DFD1}"/>
+          <p:cNvPr id="6" name="Group 5">
+            <a:extLst>
+              <a:ext uri="{FF2B5EF4-FFF2-40B4-BE49-F238E27FC236}">
+                <a16:creationId xmlns:a16="http://schemas.microsoft.com/office/drawing/2014/main" id="{D4EC0844-A9BC-413F-FFBB-0C22E967B4D1}"/>
               </a:ext>
             </a:extLst>
           </p:cNvPr>
@@ -3340,18 +3340,18 @@
         </p:nvGrpSpPr>
         <p:grpSpPr>
           <a:xfrm>
-            <a:off x="1904999" y="0"/>
-            <a:ext cx="8382001" cy="6858000"/>
-            <a:chOff x="1904999" y="0"/>
-            <a:chExt cx="8382001" cy="6858000"/>
+            <a:off x="1981200" y="0"/>
+            <a:ext cx="8229600" cy="6858000"/>
+            <a:chOff x="1981200" y="0"/>
+            <a:chExt cx="8229600" cy="6858000"/>
           </a:xfrm>
         </p:grpSpPr>
         <p:pic>
           <p:nvPicPr>
-            <p:cNvPr id="3" name="Picture 2" descr="A picture containing text, diagram, screenshot, line&#10;&#10;Description automatically generated">
+            <p:cNvPr id="3" name="Picture 2" descr="A screenshot of a graph&#10;&#10;Description automatically generated">
               <a:extLst>
                 <a:ext uri="{FF2B5EF4-FFF2-40B4-BE49-F238E27FC236}">
-                  <a16:creationId xmlns:a16="http://schemas.microsoft.com/office/drawing/2014/main" id="{B221E9FA-8E02-CA04-1529-9433A3F0D48A}"/>
+                  <a16:creationId xmlns:a16="http://schemas.microsoft.com/office/drawing/2014/main" id="{975B7538-529B-B5BD-D1BB-3F2913727410}"/>
                 </a:ext>
               </a:extLst>
             </p:cNvPr>
@@ -3368,8 +3368,8 @@
           </p:blipFill>
           <p:spPr>
             <a:xfrm>
-              <a:off x="1904999" y="0"/>
-              <a:ext cx="8382001" cy="6858000"/>
+              <a:off x="1981200" y="0"/>
+              <a:ext cx="8229600" cy="6858000"/>
             </a:xfrm>
             <a:prstGeom prst="rect">
               <a:avLst/>
@@ -3390,7 +3390,7 @@
           </p:nvGrpSpPr>
           <p:grpSpPr>
             <a:xfrm>
-              <a:off x="7932657" y="4310236"/>
+              <a:off x="7909211" y="4310236"/>
               <a:ext cx="455813" cy="261610"/>
               <a:chOff x="2611090" y="551617"/>
               <a:chExt cx="928687" cy="261610"/>
@@ -3488,7 +3488,7 @@
           </p:nvGrpSpPr>
           <p:grpSpPr>
             <a:xfrm>
-              <a:off x="8833550" y="3761608"/>
+              <a:off x="8774935" y="3761608"/>
               <a:ext cx="1041500" cy="261610"/>
               <a:chOff x="2611090" y="551617"/>
               <a:chExt cx="928687" cy="261610"/>
@@ -3586,7 +3586,7 @@
           </p:nvGrpSpPr>
           <p:grpSpPr>
             <a:xfrm>
-              <a:off x="8733120" y="4275622"/>
+              <a:off x="8686228" y="4275622"/>
               <a:ext cx="455813" cy="261610"/>
               <a:chOff x="2611090" y="551617"/>
               <a:chExt cx="928687" cy="261610"/>
@@ -3684,7 +3684,7 @@
           </p:nvGrpSpPr>
           <p:grpSpPr>
             <a:xfrm>
-              <a:off x="9526495" y="4243126"/>
+              <a:off x="9444434" y="4243126"/>
               <a:ext cx="455813" cy="261610"/>
               <a:chOff x="2611090" y="551617"/>
               <a:chExt cx="928687" cy="261610"/>
@@ -3782,7 +3782,7 @@
           </p:nvGrpSpPr>
           <p:grpSpPr>
             <a:xfrm>
-              <a:off x="8336128" y="3860400"/>
+              <a:off x="8300959" y="3860400"/>
               <a:ext cx="455814" cy="276999"/>
               <a:chOff x="2611090" y="551617"/>
               <a:chExt cx="928687" cy="276999"/>
@@ -3863,366 +3863,76 @@
             </p:txBody>
           </p:sp>
         </p:grpSp>
-        <p:pic>
-          <p:nvPicPr>
-            <p:cNvPr id="9" name="Graphic 8" descr="Close with solid fill">
+        <p:sp>
+          <p:nvSpPr>
+            <p:cNvPr id="5" name="TextBox 4">
               <a:extLst>
                 <a:ext uri="{FF2B5EF4-FFF2-40B4-BE49-F238E27FC236}">
-                  <a16:creationId xmlns:a16="http://schemas.microsoft.com/office/drawing/2014/main" id="{E7922DE9-BE37-3733-F146-844E9D20D8BE}"/>
+                  <a16:creationId xmlns:a16="http://schemas.microsoft.com/office/drawing/2014/main" id="{0060E332-BE4F-0036-488B-12472D0470D8}"/>
                 </a:ext>
               </a:extLst>
             </p:cNvPr>
-            <p:cNvPicPr>
-              <a:picLocks noChangeAspect="1"/>
-            </p:cNvPicPr>
+            <p:cNvSpPr txBox="1"/>
             <p:nvPr/>
-          </p:nvPicPr>
-          <p:blipFill>
-            <a:blip r:embed="rId3">
-              <a:extLst>
-                <a:ext uri="{96DAC541-7B7A-43D3-8B79-37D633B846F1}">
-                  <asvg:svgBlip xmlns:asvg="http://schemas.microsoft.com/office/drawing/2016/SVG/main" r:embed="rId4"/>
-                </a:ext>
-              </a:extLst>
-            </a:blip>
-            <a:stretch>
-              <a:fillRect/>
-            </a:stretch>
-          </p:blipFill>
+          </p:nvSpPr>
           <p:spPr>
             <a:xfrm>
-              <a:off x="5305825" y="2067401"/>
-              <a:ext cx="243483" cy="243483"/>
+              <a:off x="2819401" y="1817077"/>
+              <a:ext cx="515815" cy="276999"/>
             </a:xfrm>
             <a:prstGeom prst="rect">
               <a:avLst/>
             </a:prstGeom>
+            <a:noFill/>
           </p:spPr>
-        </p:pic>
-        <p:pic>
-          <p:nvPicPr>
-            <p:cNvPr id="39" name="Graphic 38" descr="Close with solid fill">
+          <p:txBody>
+            <a:bodyPr wrap="square" rtlCol="0">
+              <a:spAutoFit/>
+            </a:bodyPr>
+            <a:lstStyle/>
+            <a:p>
+              <a:r>
+                <a:rPr lang="en-US" sz="1200" dirty="0"/>
+                <a:t>LOD</a:t>
+              </a:r>
+            </a:p>
+          </p:txBody>
+        </p:sp>
+        <p:sp>
+          <p:nvSpPr>
+            <p:cNvPr id="10" name="TextBox 9">
               <a:extLst>
                 <a:ext uri="{FF2B5EF4-FFF2-40B4-BE49-F238E27FC236}">
-                  <a16:creationId xmlns:a16="http://schemas.microsoft.com/office/drawing/2014/main" id="{EC30CACF-768F-A8C4-20EE-44783F97114A}"/>
+                  <a16:creationId xmlns:a16="http://schemas.microsoft.com/office/drawing/2014/main" id="{C97F2A2A-AA4A-F53D-5397-05D11C01FF7B}"/>
                 </a:ext>
               </a:extLst>
             </p:cNvPr>
-            <p:cNvPicPr>
-              <a:picLocks noChangeAspect="1"/>
-            </p:cNvPicPr>
+            <p:cNvSpPr txBox="1"/>
             <p:nvPr/>
-          </p:nvPicPr>
-          <p:blipFill>
-            <a:blip r:embed="rId3">
-              <a:extLst>
-                <a:ext uri="{96DAC541-7B7A-43D3-8B79-37D633B846F1}">
-                  <asvg:svgBlip xmlns:asvg="http://schemas.microsoft.com/office/drawing/2016/SVG/main" r:embed="rId4"/>
-                </a:ext>
-              </a:extLst>
-            </a:blip>
-            <a:stretch>
-              <a:fillRect/>
-            </a:stretch>
-          </p:blipFill>
+          </p:nvSpPr>
           <p:spPr>
             <a:xfrm>
-              <a:off x="9152949" y="2067401"/>
-              <a:ext cx="243483" cy="243483"/>
+              <a:off x="2819401" y="4818185"/>
+              <a:ext cx="515815" cy="276999"/>
             </a:xfrm>
             <a:prstGeom prst="rect">
               <a:avLst/>
             </a:prstGeom>
+            <a:noFill/>
           </p:spPr>
-        </p:pic>
-        <p:pic>
-          <p:nvPicPr>
-            <p:cNvPr id="41" name="Graphic 40" descr="Close with solid fill">
-              <a:extLst>
-                <a:ext uri="{FF2B5EF4-FFF2-40B4-BE49-F238E27FC236}">
-                  <a16:creationId xmlns:a16="http://schemas.microsoft.com/office/drawing/2014/main" id="{6EEDDA63-DA17-FB56-D23C-8CEB22BD9A04}"/>
-                </a:ext>
-              </a:extLst>
-            </p:cNvPr>
-            <p:cNvPicPr>
-              <a:picLocks noChangeAspect="1"/>
-            </p:cNvPicPr>
-            <p:nvPr/>
-          </p:nvPicPr>
-          <p:blipFill>
-            <a:blip r:embed="rId3">
-              <a:extLst>
-                <a:ext uri="{96DAC541-7B7A-43D3-8B79-37D633B846F1}">
-                  <asvg:svgBlip xmlns:asvg="http://schemas.microsoft.com/office/drawing/2016/SVG/main" r:embed="rId4"/>
-                </a:ext>
-              </a:extLst>
-            </a:blip>
-            <a:stretch>
-              <a:fillRect/>
-            </a:stretch>
-          </p:blipFill>
-          <p:spPr>
-            <a:xfrm>
-              <a:off x="3153699" y="5081866"/>
-              <a:ext cx="243483" cy="243483"/>
-            </a:xfrm>
-            <a:prstGeom prst="rect">
-              <a:avLst/>
-            </a:prstGeom>
-          </p:spPr>
-        </p:pic>
-        <p:pic>
-          <p:nvPicPr>
-            <p:cNvPr id="42" name="Graphic 41" descr="Close with solid fill">
-              <a:extLst>
-                <a:ext uri="{FF2B5EF4-FFF2-40B4-BE49-F238E27FC236}">
-                  <a16:creationId xmlns:a16="http://schemas.microsoft.com/office/drawing/2014/main" id="{B6D59933-7BC6-C40C-E705-3054F0872A08}"/>
-                </a:ext>
-              </a:extLst>
-            </p:cNvPr>
-            <p:cNvPicPr>
-              <a:picLocks noChangeAspect="1"/>
-            </p:cNvPicPr>
-            <p:nvPr/>
-          </p:nvPicPr>
-          <p:blipFill>
-            <a:blip r:embed="rId3">
-              <a:extLst>
-                <a:ext uri="{96DAC541-7B7A-43D3-8B79-37D633B846F1}">
-                  <asvg:svgBlip xmlns:asvg="http://schemas.microsoft.com/office/drawing/2016/SVG/main" r:embed="rId4"/>
-                </a:ext>
-              </a:extLst>
-            </a:blip>
-            <a:stretch>
-              <a:fillRect/>
-            </a:stretch>
-          </p:blipFill>
-          <p:spPr>
-            <a:xfrm>
-              <a:off x="5331536" y="5084806"/>
-              <a:ext cx="243483" cy="243483"/>
-            </a:xfrm>
-            <a:prstGeom prst="rect">
-              <a:avLst/>
-            </a:prstGeom>
-          </p:spPr>
-        </p:pic>
-        <p:pic>
-          <p:nvPicPr>
-            <p:cNvPr id="43" name="Graphic 42" descr="Close with solid fill">
-              <a:extLst>
-                <a:ext uri="{FF2B5EF4-FFF2-40B4-BE49-F238E27FC236}">
-                  <a16:creationId xmlns:a16="http://schemas.microsoft.com/office/drawing/2014/main" id="{493271FA-BB8F-EE7F-2EB0-44510A375D5D}"/>
-                </a:ext>
-              </a:extLst>
-            </p:cNvPr>
-            <p:cNvPicPr>
-              <a:picLocks noChangeAspect="1"/>
-            </p:cNvPicPr>
-            <p:nvPr/>
-          </p:nvPicPr>
-          <p:blipFill>
-            <a:blip r:embed="rId3">
-              <a:extLst>
-                <a:ext uri="{96DAC541-7B7A-43D3-8B79-37D633B846F1}">
-                  <asvg:svgBlip xmlns:asvg="http://schemas.microsoft.com/office/drawing/2016/SVG/main" r:embed="rId4"/>
-                </a:ext>
-              </a:extLst>
-            </a:blip>
-            <a:stretch>
-              <a:fillRect/>
-            </a:stretch>
-          </p:blipFill>
-          <p:spPr>
-            <a:xfrm>
-              <a:off x="5805424" y="5081867"/>
-              <a:ext cx="243483" cy="243483"/>
-            </a:xfrm>
-            <a:prstGeom prst="rect">
-              <a:avLst/>
-            </a:prstGeom>
-          </p:spPr>
-        </p:pic>
-        <p:pic>
-          <p:nvPicPr>
-            <p:cNvPr id="44" name="Graphic 43" descr="Close with solid fill">
-              <a:extLst>
-                <a:ext uri="{FF2B5EF4-FFF2-40B4-BE49-F238E27FC236}">
-                  <a16:creationId xmlns:a16="http://schemas.microsoft.com/office/drawing/2014/main" id="{131B4AD9-56DB-97E1-71AB-45F3F8A93DC2}"/>
-                </a:ext>
-              </a:extLst>
-            </p:cNvPr>
-            <p:cNvPicPr>
-              <a:picLocks noChangeAspect="1"/>
-            </p:cNvPicPr>
-            <p:nvPr/>
-          </p:nvPicPr>
-          <p:blipFill>
-            <a:blip r:embed="rId3">
-              <a:extLst>
-                <a:ext uri="{96DAC541-7B7A-43D3-8B79-37D633B846F1}">
-                  <asvg:svgBlip xmlns:asvg="http://schemas.microsoft.com/office/drawing/2016/SVG/main" r:embed="rId4"/>
-                </a:ext>
-              </a:extLst>
-            </a:blip>
-            <a:stretch>
-              <a:fillRect/>
-            </a:stretch>
-          </p:blipFill>
-          <p:spPr>
-            <a:xfrm>
-              <a:off x="6279312" y="5084805"/>
-              <a:ext cx="243483" cy="243483"/>
-            </a:xfrm>
-            <a:prstGeom prst="rect">
-              <a:avLst/>
-            </a:prstGeom>
-          </p:spPr>
-        </p:pic>
-        <p:pic>
-          <p:nvPicPr>
-            <p:cNvPr id="45" name="Graphic 44" descr="Close with solid fill">
-              <a:extLst>
-                <a:ext uri="{FF2B5EF4-FFF2-40B4-BE49-F238E27FC236}">
-                  <a16:creationId xmlns:a16="http://schemas.microsoft.com/office/drawing/2014/main" id="{044D4EB5-BF67-5A2A-32F5-ED0A2D5D0008}"/>
-                </a:ext>
-              </a:extLst>
-            </p:cNvPr>
-            <p:cNvPicPr>
-              <a:picLocks noChangeAspect="1"/>
-            </p:cNvPicPr>
-            <p:nvPr/>
-          </p:nvPicPr>
-          <p:blipFill>
-            <a:blip r:embed="rId3">
-              <a:extLst>
-                <a:ext uri="{96DAC541-7B7A-43D3-8B79-37D633B846F1}">
-                  <asvg:svgBlip xmlns:asvg="http://schemas.microsoft.com/office/drawing/2016/SVG/main" r:embed="rId4"/>
-                </a:ext>
-              </a:extLst>
-            </a:blip>
-            <a:stretch>
-              <a:fillRect/>
-            </a:stretch>
-          </p:blipFill>
-          <p:spPr>
-            <a:xfrm>
-              <a:off x="6754642" y="5081867"/>
-              <a:ext cx="243483" cy="243483"/>
-            </a:xfrm>
-            <a:prstGeom prst="rect">
-              <a:avLst/>
-            </a:prstGeom>
-          </p:spPr>
-        </p:pic>
-        <p:pic>
-          <p:nvPicPr>
-            <p:cNvPr id="46" name="Graphic 45" descr="Close with solid fill">
-              <a:extLst>
-                <a:ext uri="{FF2B5EF4-FFF2-40B4-BE49-F238E27FC236}">
-                  <a16:creationId xmlns:a16="http://schemas.microsoft.com/office/drawing/2014/main" id="{FF6B8DB2-DD1B-A443-979D-4F17CDDD0D58}"/>
-                </a:ext>
-              </a:extLst>
-            </p:cNvPr>
-            <p:cNvPicPr>
-              <a:picLocks noChangeAspect="1"/>
-            </p:cNvPicPr>
-            <p:nvPr/>
-          </p:nvPicPr>
-          <p:blipFill>
-            <a:blip r:embed="rId3">
-              <a:extLst>
-                <a:ext uri="{96DAC541-7B7A-43D3-8B79-37D633B846F1}">
-                  <asvg:svgBlip xmlns:asvg="http://schemas.microsoft.com/office/drawing/2016/SVG/main" r:embed="rId4"/>
-                </a:ext>
-              </a:extLst>
-            </a:blip>
-            <a:stretch>
-              <a:fillRect/>
-            </a:stretch>
-          </p:blipFill>
-          <p:spPr>
-            <a:xfrm>
-              <a:off x="7225860" y="5081866"/>
-              <a:ext cx="243483" cy="243483"/>
-            </a:xfrm>
-            <a:prstGeom prst="rect">
-              <a:avLst/>
-            </a:prstGeom>
-          </p:spPr>
-        </p:pic>
-        <p:pic>
-          <p:nvPicPr>
-            <p:cNvPr id="6" name="Graphic 5" descr="Close with solid fill">
-              <a:extLst>
-                <a:ext uri="{FF2B5EF4-FFF2-40B4-BE49-F238E27FC236}">
-                  <a16:creationId xmlns:a16="http://schemas.microsoft.com/office/drawing/2014/main" id="{2F88A671-0A6C-74C5-1ED9-077A9F962C78}"/>
-                </a:ext>
-              </a:extLst>
-            </p:cNvPr>
-            <p:cNvPicPr>
-              <a:picLocks noChangeAspect="1"/>
-            </p:cNvPicPr>
-            <p:nvPr/>
-          </p:nvPicPr>
-          <p:blipFill>
-            <a:blip r:embed="rId3">
-              <a:extLst>
-                <a:ext uri="{96DAC541-7B7A-43D3-8B79-37D633B846F1}">
-                  <asvg:svgBlip xmlns:asvg="http://schemas.microsoft.com/office/drawing/2016/SVG/main" r:embed="rId4"/>
-                </a:ext>
-              </a:extLst>
-            </a:blip>
-            <a:stretch>
-              <a:fillRect/>
-            </a:stretch>
-          </p:blipFill>
-          <p:spPr>
-            <a:xfrm>
-              <a:off x="4360754" y="2067401"/>
-              <a:ext cx="243483" cy="243483"/>
-            </a:xfrm>
-            <a:prstGeom prst="rect">
-              <a:avLst/>
-            </a:prstGeom>
-          </p:spPr>
-        </p:pic>
-        <p:pic>
-          <p:nvPicPr>
-            <p:cNvPr id="7" name="Graphic 6" descr="Close with solid fill">
-              <a:extLst>
-                <a:ext uri="{FF2B5EF4-FFF2-40B4-BE49-F238E27FC236}">
-                  <a16:creationId xmlns:a16="http://schemas.microsoft.com/office/drawing/2014/main" id="{7206574B-C914-542A-0AA3-E95772EAEED7}"/>
-                </a:ext>
-              </a:extLst>
-            </p:cNvPr>
-            <p:cNvPicPr>
-              <a:picLocks noChangeAspect="1"/>
-            </p:cNvPicPr>
-            <p:nvPr/>
-          </p:nvPicPr>
-          <p:blipFill>
-            <a:blip r:embed="rId3">
-              <a:extLst>
-                <a:ext uri="{96DAC541-7B7A-43D3-8B79-37D633B846F1}">
-                  <asvg:svgBlip xmlns:asvg="http://schemas.microsoft.com/office/drawing/2016/SVG/main" r:embed="rId4"/>
-                </a:ext>
-              </a:extLst>
-            </a:blip>
-            <a:stretch>
-              <a:fillRect/>
-            </a:stretch>
-          </p:blipFill>
-          <p:spPr>
-            <a:xfrm>
-              <a:off x="8207298" y="2067401"/>
-              <a:ext cx="243483" cy="243483"/>
-            </a:xfrm>
-            <a:prstGeom prst="rect">
-              <a:avLst/>
-            </a:prstGeom>
-          </p:spPr>
-        </p:pic>
+          <p:txBody>
+            <a:bodyPr wrap="square" rtlCol="0">
+              <a:spAutoFit/>
+            </a:bodyPr>
+            <a:lstStyle/>
+            <a:p>
+              <a:r>
+                <a:rPr lang="en-US" sz="1200" dirty="0"/>
+                <a:t>LOD</a:t>
+              </a:r>
+            </a:p>
+          </p:txBody>
+        </p:sp>
       </p:grpSp>
     </p:spTree>
     <p:extLst>
